--- a/我要看見.pptx
+++ b/我要看見.pptx
@@ -2,14 +2,13 @@
 <file path=ppt/presentation.xml><?xml version="1.0" encoding="utf-8"?>
 <p:presentation xmlns:a="http://schemas.openxmlformats.org/drawingml/2006/main" xmlns:r="http://schemas.openxmlformats.org/officeDocument/2006/relationships" xmlns:p="http://schemas.openxmlformats.org/presentationml/2006/main" saveSubsetFonts="1">
   <p:sldMasterIdLst>
-    <p:sldMasterId id="2147483648" r:id="rId1"/>
+    <p:sldMasterId id="2147483660" r:id="rId1"/>
   </p:sldMasterIdLst>
   <p:sldIdLst>
-    <p:sldId id="257" r:id="rId2"/>
-    <p:sldId id="258" r:id="rId3"/>
-    <p:sldId id="259" r:id="rId4"/>
-    <p:sldId id="260" r:id="rId5"/>
-    <p:sldId id="261" r:id="rId6"/>
+    <p:sldId id="258" r:id="rId2"/>
+    <p:sldId id="259" r:id="rId3"/>
+    <p:sldId id="260" r:id="rId4"/>
+    <p:sldId id="261" r:id="rId5"/>
   </p:sldIdLst>
   <p:sldSz cx="9144000" cy="6858000" type="screen4x3"/>
   <p:notesSz cx="6858000" cy="9144000"/>
@@ -149,8 +148,8 @@
           <a:lstStyle/>
           <a:p>
             <a:r>
-              <a:rPr lang="zh-TW" altLang="en-US" smtClean="0"/>
-              <a:t>按一下以編輯母片標題樣式</a:t>
+              <a:rPr lang="en-US" altLang="zh-TW" smtClean="0"/>
+              <a:t>Click to edit Master title style</a:t>
             </a:r>
             <a:endParaRPr lang="zh-TW" altLang="en-US"/>
           </a:p>
@@ -268,8 +267,8 @@
           </a:lstStyle>
           <a:p>
             <a:r>
-              <a:rPr lang="zh-TW" altLang="en-US" smtClean="0"/>
-              <a:t>按一下以編輯母片副標題樣式</a:t>
+              <a:rPr lang="en-US" altLang="zh-TW" smtClean="0"/>
+              <a:t>Click to edit Master subtitle style</a:t>
             </a:r>
             <a:endParaRPr lang="zh-TW" altLang="en-US"/>
           </a:p>
@@ -292,7 +291,7 @@
           <a:p>
             <a:fld id="{05D5FD3B-865F-493A-9AC8-BCBFF2C93F97}" type="datetimeFigureOut">
               <a:rPr lang="zh-TW" altLang="en-US" smtClean="0"/>
-              <a:t>2018/11/27</a:t>
+              <a:t>2019/5/25</a:t>
             </a:fld>
             <a:endParaRPr lang="zh-TW" altLang="en-US"/>
           </a:p>
@@ -381,8 +380,8 @@
           <a:lstStyle/>
           <a:p>
             <a:r>
-              <a:rPr lang="zh-TW" altLang="en-US" smtClean="0"/>
-              <a:t>按一下以編輯母片標題樣式</a:t>
+              <a:rPr lang="en-US" altLang="zh-TW" smtClean="0"/>
+              <a:t>Click to edit Master title style</a:t>
             </a:r>
             <a:endParaRPr lang="zh-TW" altLang="en-US"/>
           </a:p>
@@ -405,36 +404,36 @@
           <a:p>
             <a:pPr lvl="0"/>
             <a:r>
-              <a:rPr lang="zh-TW" altLang="en-US" smtClean="0"/>
-              <a:t>按一下以編輯母片文字樣式</a:t>
+              <a:rPr lang="en-US" altLang="zh-TW" smtClean="0"/>
+              <a:t>Click to edit Master text styles</a:t>
             </a:r>
           </a:p>
           <a:p>
             <a:pPr lvl="1"/>
             <a:r>
-              <a:rPr lang="zh-TW" altLang="en-US" smtClean="0"/>
-              <a:t>第二層</a:t>
+              <a:rPr lang="en-US" altLang="zh-TW" smtClean="0"/>
+              <a:t>Second level</a:t>
             </a:r>
           </a:p>
           <a:p>
             <a:pPr lvl="2"/>
             <a:r>
-              <a:rPr lang="zh-TW" altLang="en-US" smtClean="0"/>
-              <a:t>第三層</a:t>
+              <a:rPr lang="en-US" altLang="zh-TW" smtClean="0"/>
+              <a:t>Third level</a:t>
             </a:r>
           </a:p>
           <a:p>
             <a:pPr lvl="3"/>
             <a:r>
-              <a:rPr lang="zh-TW" altLang="en-US" smtClean="0"/>
-              <a:t>第四層</a:t>
+              <a:rPr lang="en-US" altLang="zh-TW" smtClean="0"/>
+              <a:t>Fourth level</a:t>
             </a:r>
           </a:p>
           <a:p>
             <a:pPr lvl="4"/>
             <a:r>
-              <a:rPr lang="zh-TW" altLang="en-US" smtClean="0"/>
-              <a:t>第五層</a:t>
+              <a:rPr lang="en-US" altLang="zh-TW" smtClean="0"/>
+              <a:t>Fifth level</a:t>
             </a:r>
             <a:endParaRPr lang="zh-TW" altLang="en-US"/>
           </a:p>
@@ -457,7 +456,7 @@
           <a:p>
             <a:fld id="{05D5FD3B-865F-493A-9AC8-BCBFF2C93F97}" type="datetimeFigureOut">
               <a:rPr lang="zh-TW" altLang="en-US" smtClean="0"/>
-              <a:t>2018/11/27</a:t>
+              <a:t>2019/5/25</a:t>
             </a:fld>
             <a:endParaRPr lang="zh-TW" altLang="en-US"/>
           </a:p>
@@ -551,8 +550,8 @@
           <a:lstStyle/>
           <a:p>
             <a:r>
-              <a:rPr lang="zh-TW" altLang="en-US" smtClean="0"/>
-              <a:t>按一下以編輯母片標題樣式</a:t>
+              <a:rPr lang="en-US" altLang="zh-TW" smtClean="0"/>
+              <a:t>Click to edit Master title style</a:t>
             </a:r>
             <a:endParaRPr lang="zh-TW" altLang="en-US"/>
           </a:p>
@@ -580,36 +579,36 @@
           <a:p>
             <a:pPr lvl="0"/>
             <a:r>
-              <a:rPr lang="zh-TW" altLang="en-US" smtClean="0"/>
-              <a:t>按一下以編輯母片文字樣式</a:t>
+              <a:rPr lang="en-US" altLang="zh-TW" smtClean="0"/>
+              <a:t>Click to edit Master text styles</a:t>
             </a:r>
           </a:p>
           <a:p>
             <a:pPr lvl="1"/>
             <a:r>
-              <a:rPr lang="zh-TW" altLang="en-US" smtClean="0"/>
-              <a:t>第二層</a:t>
+              <a:rPr lang="en-US" altLang="zh-TW" smtClean="0"/>
+              <a:t>Second level</a:t>
             </a:r>
           </a:p>
           <a:p>
             <a:pPr lvl="2"/>
             <a:r>
-              <a:rPr lang="zh-TW" altLang="en-US" smtClean="0"/>
-              <a:t>第三層</a:t>
+              <a:rPr lang="en-US" altLang="zh-TW" smtClean="0"/>
+              <a:t>Third level</a:t>
             </a:r>
           </a:p>
           <a:p>
             <a:pPr lvl="3"/>
             <a:r>
-              <a:rPr lang="zh-TW" altLang="en-US" smtClean="0"/>
-              <a:t>第四層</a:t>
+              <a:rPr lang="en-US" altLang="zh-TW" smtClean="0"/>
+              <a:t>Fourth level</a:t>
             </a:r>
           </a:p>
           <a:p>
             <a:pPr lvl="4"/>
             <a:r>
-              <a:rPr lang="zh-TW" altLang="en-US" smtClean="0"/>
-              <a:t>第五層</a:t>
+              <a:rPr lang="en-US" altLang="zh-TW" smtClean="0"/>
+              <a:t>Fifth level</a:t>
             </a:r>
             <a:endParaRPr lang="zh-TW" altLang="en-US"/>
           </a:p>
@@ -632,7 +631,7 @@
           <a:p>
             <a:fld id="{05D5FD3B-865F-493A-9AC8-BCBFF2C93F97}" type="datetimeFigureOut">
               <a:rPr lang="zh-TW" altLang="en-US" smtClean="0"/>
-              <a:t>2018/11/27</a:t>
+              <a:t>2019/5/25</a:t>
             </a:fld>
             <a:endParaRPr lang="zh-TW" altLang="en-US"/>
           </a:p>
@@ -721,8 +720,8 @@
           <a:lstStyle/>
           <a:p>
             <a:r>
-              <a:rPr lang="zh-TW" altLang="en-US" smtClean="0"/>
-              <a:t>按一下以編輯母片標題樣式</a:t>
+              <a:rPr lang="en-US" altLang="zh-TW" smtClean="0"/>
+              <a:t>Click to edit Master title style</a:t>
             </a:r>
             <a:endParaRPr lang="zh-TW" altLang="en-US"/>
           </a:p>
@@ -745,36 +744,36 @@
           <a:p>
             <a:pPr lvl="0"/>
             <a:r>
-              <a:rPr lang="zh-TW" altLang="en-US" smtClean="0"/>
-              <a:t>按一下以編輯母片文字樣式</a:t>
+              <a:rPr lang="en-US" altLang="zh-TW" smtClean="0"/>
+              <a:t>Click to edit Master text styles</a:t>
             </a:r>
           </a:p>
           <a:p>
             <a:pPr lvl="1"/>
             <a:r>
-              <a:rPr lang="zh-TW" altLang="en-US" smtClean="0"/>
-              <a:t>第二層</a:t>
+              <a:rPr lang="en-US" altLang="zh-TW" smtClean="0"/>
+              <a:t>Second level</a:t>
             </a:r>
           </a:p>
           <a:p>
             <a:pPr lvl="2"/>
             <a:r>
-              <a:rPr lang="zh-TW" altLang="en-US" smtClean="0"/>
-              <a:t>第三層</a:t>
+              <a:rPr lang="en-US" altLang="zh-TW" smtClean="0"/>
+              <a:t>Third level</a:t>
             </a:r>
           </a:p>
           <a:p>
             <a:pPr lvl="3"/>
             <a:r>
-              <a:rPr lang="zh-TW" altLang="en-US" smtClean="0"/>
-              <a:t>第四層</a:t>
+              <a:rPr lang="en-US" altLang="zh-TW" smtClean="0"/>
+              <a:t>Fourth level</a:t>
             </a:r>
           </a:p>
           <a:p>
             <a:pPr lvl="4"/>
             <a:r>
-              <a:rPr lang="zh-TW" altLang="en-US" smtClean="0"/>
-              <a:t>第五層</a:t>
+              <a:rPr lang="en-US" altLang="zh-TW" smtClean="0"/>
+              <a:t>Fifth level</a:t>
             </a:r>
             <a:endParaRPr lang="zh-TW" altLang="en-US"/>
           </a:p>
@@ -797,7 +796,7 @@
           <a:p>
             <a:fld id="{05D5FD3B-865F-493A-9AC8-BCBFF2C93F97}" type="datetimeFigureOut">
               <a:rPr lang="zh-TW" altLang="en-US" smtClean="0"/>
-              <a:t>2018/11/27</a:t>
+              <a:t>2019/5/25</a:t>
             </a:fld>
             <a:endParaRPr lang="zh-TW" altLang="en-US"/>
           </a:p>
@@ -895,8 +894,8 @@
           </a:lstStyle>
           <a:p>
             <a:r>
-              <a:rPr lang="zh-TW" altLang="en-US" smtClean="0"/>
-              <a:t>按一下以編輯母片標題樣式</a:t>
+              <a:rPr lang="en-US" altLang="zh-TW" smtClean="0"/>
+              <a:t>Click to edit Master title style</a:t>
             </a:r>
             <a:endParaRPr lang="zh-TW" altLang="en-US"/>
           </a:p>
@@ -1015,8 +1014,8 @@
           <a:p>
             <a:pPr lvl="0"/>
             <a:r>
-              <a:rPr lang="zh-TW" altLang="en-US" smtClean="0"/>
-              <a:t>按一下以編輯母片文字樣式</a:t>
+              <a:rPr lang="en-US" altLang="zh-TW" smtClean="0"/>
+              <a:t>Click to edit Master text styles</a:t>
             </a:r>
           </a:p>
         </p:txBody>
@@ -1038,7 +1037,7 @@
           <a:p>
             <a:fld id="{05D5FD3B-865F-493A-9AC8-BCBFF2C93F97}" type="datetimeFigureOut">
               <a:rPr lang="zh-TW" altLang="en-US" smtClean="0"/>
-              <a:t>2018/11/27</a:t>
+              <a:t>2019/5/25</a:t>
             </a:fld>
             <a:endParaRPr lang="zh-TW" altLang="en-US"/>
           </a:p>
@@ -1127,8 +1126,8 @@
           <a:lstStyle/>
           <a:p>
             <a:r>
-              <a:rPr lang="zh-TW" altLang="en-US" smtClean="0"/>
-              <a:t>按一下以編輯母片標題樣式</a:t>
+              <a:rPr lang="en-US" altLang="zh-TW" smtClean="0"/>
+              <a:t>Click to edit Master title style</a:t>
             </a:r>
             <a:endParaRPr lang="zh-TW" altLang="en-US"/>
           </a:p>
@@ -1184,36 +1183,36 @@
           <a:p>
             <a:pPr lvl="0"/>
             <a:r>
-              <a:rPr lang="zh-TW" altLang="en-US" smtClean="0"/>
-              <a:t>按一下以編輯母片文字樣式</a:t>
+              <a:rPr lang="en-US" altLang="zh-TW" smtClean="0"/>
+              <a:t>Click to edit Master text styles</a:t>
             </a:r>
           </a:p>
           <a:p>
             <a:pPr lvl="1"/>
             <a:r>
-              <a:rPr lang="zh-TW" altLang="en-US" smtClean="0"/>
-              <a:t>第二層</a:t>
+              <a:rPr lang="en-US" altLang="zh-TW" smtClean="0"/>
+              <a:t>Second level</a:t>
             </a:r>
           </a:p>
           <a:p>
             <a:pPr lvl="2"/>
             <a:r>
-              <a:rPr lang="zh-TW" altLang="en-US" smtClean="0"/>
-              <a:t>第三層</a:t>
+              <a:rPr lang="en-US" altLang="zh-TW" smtClean="0"/>
+              <a:t>Third level</a:t>
             </a:r>
           </a:p>
           <a:p>
             <a:pPr lvl="3"/>
             <a:r>
-              <a:rPr lang="zh-TW" altLang="en-US" smtClean="0"/>
-              <a:t>第四層</a:t>
+              <a:rPr lang="en-US" altLang="zh-TW" smtClean="0"/>
+              <a:t>Fourth level</a:t>
             </a:r>
           </a:p>
           <a:p>
             <a:pPr lvl="4"/>
             <a:r>
-              <a:rPr lang="zh-TW" altLang="en-US" smtClean="0"/>
-              <a:t>第五層</a:t>
+              <a:rPr lang="en-US" altLang="zh-TW" smtClean="0"/>
+              <a:t>Fifth level</a:t>
             </a:r>
             <a:endParaRPr lang="zh-TW" altLang="en-US"/>
           </a:p>
@@ -1269,36 +1268,36 @@
           <a:p>
             <a:pPr lvl="0"/>
             <a:r>
-              <a:rPr lang="zh-TW" altLang="en-US" smtClean="0"/>
-              <a:t>按一下以編輯母片文字樣式</a:t>
+              <a:rPr lang="en-US" altLang="zh-TW" smtClean="0"/>
+              <a:t>Click to edit Master text styles</a:t>
             </a:r>
           </a:p>
           <a:p>
             <a:pPr lvl="1"/>
             <a:r>
-              <a:rPr lang="zh-TW" altLang="en-US" smtClean="0"/>
-              <a:t>第二層</a:t>
+              <a:rPr lang="en-US" altLang="zh-TW" smtClean="0"/>
+              <a:t>Second level</a:t>
             </a:r>
           </a:p>
           <a:p>
             <a:pPr lvl="2"/>
             <a:r>
-              <a:rPr lang="zh-TW" altLang="en-US" smtClean="0"/>
-              <a:t>第三層</a:t>
+              <a:rPr lang="en-US" altLang="zh-TW" smtClean="0"/>
+              <a:t>Third level</a:t>
             </a:r>
           </a:p>
           <a:p>
             <a:pPr lvl="3"/>
             <a:r>
-              <a:rPr lang="zh-TW" altLang="en-US" smtClean="0"/>
-              <a:t>第四層</a:t>
+              <a:rPr lang="en-US" altLang="zh-TW" smtClean="0"/>
+              <a:t>Fourth level</a:t>
             </a:r>
           </a:p>
           <a:p>
             <a:pPr lvl="4"/>
             <a:r>
-              <a:rPr lang="zh-TW" altLang="en-US" smtClean="0"/>
-              <a:t>第五層</a:t>
+              <a:rPr lang="en-US" altLang="zh-TW" smtClean="0"/>
+              <a:t>Fifth level</a:t>
             </a:r>
             <a:endParaRPr lang="zh-TW" altLang="en-US"/>
           </a:p>
@@ -1321,7 +1320,7 @@
           <a:p>
             <a:fld id="{05D5FD3B-865F-493A-9AC8-BCBFF2C93F97}" type="datetimeFigureOut">
               <a:rPr lang="zh-TW" altLang="en-US" smtClean="0"/>
-              <a:t>2018/11/27</a:t>
+              <a:t>2019/5/25</a:t>
             </a:fld>
             <a:endParaRPr lang="zh-TW" altLang="en-US"/>
           </a:p>
@@ -1414,8 +1413,8 @@
           </a:lstStyle>
           <a:p>
             <a:r>
-              <a:rPr lang="zh-TW" altLang="en-US" smtClean="0"/>
-              <a:t>按一下以編輯母片標題樣式</a:t>
+              <a:rPr lang="en-US" altLang="zh-TW" smtClean="0"/>
+              <a:t>Click to edit Master title style</a:t>
             </a:r>
             <a:endParaRPr lang="zh-TW" altLang="en-US"/>
           </a:p>
@@ -1480,8 +1479,8 @@
           <a:p>
             <a:pPr lvl="0"/>
             <a:r>
-              <a:rPr lang="zh-TW" altLang="en-US" smtClean="0"/>
-              <a:t>按一下以編輯母片文字樣式</a:t>
+              <a:rPr lang="en-US" altLang="zh-TW" smtClean="0"/>
+              <a:t>Click to edit Master text styles</a:t>
             </a:r>
           </a:p>
         </p:txBody>
@@ -1536,36 +1535,36 @@
           <a:p>
             <a:pPr lvl="0"/>
             <a:r>
-              <a:rPr lang="zh-TW" altLang="en-US" smtClean="0"/>
-              <a:t>按一下以編輯母片文字樣式</a:t>
+              <a:rPr lang="en-US" altLang="zh-TW" smtClean="0"/>
+              <a:t>Click to edit Master text styles</a:t>
             </a:r>
           </a:p>
           <a:p>
             <a:pPr lvl="1"/>
             <a:r>
-              <a:rPr lang="zh-TW" altLang="en-US" smtClean="0"/>
-              <a:t>第二層</a:t>
+              <a:rPr lang="en-US" altLang="zh-TW" smtClean="0"/>
+              <a:t>Second level</a:t>
             </a:r>
           </a:p>
           <a:p>
             <a:pPr lvl="2"/>
             <a:r>
-              <a:rPr lang="zh-TW" altLang="en-US" smtClean="0"/>
-              <a:t>第三層</a:t>
+              <a:rPr lang="en-US" altLang="zh-TW" smtClean="0"/>
+              <a:t>Third level</a:t>
             </a:r>
           </a:p>
           <a:p>
             <a:pPr lvl="3"/>
             <a:r>
-              <a:rPr lang="zh-TW" altLang="en-US" smtClean="0"/>
-              <a:t>第四層</a:t>
+              <a:rPr lang="en-US" altLang="zh-TW" smtClean="0"/>
+              <a:t>Fourth level</a:t>
             </a:r>
           </a:p>
           <a:p>
             <a:pPr lvl="4"/>
             <a:r>
-              <a:rPr lang="zh-TW" altLang="en-US" smtClean="0"/>
-              <a:t>第五層</a:t>
+              <a:rPr lang="en-US" altLang="zh-TW" smtClean="0"/>
+              <a:t>Fifth level</a:t>
             </a:r>
             <a:endParaRPr lang="zh-TW" altLang="en-US"/>
           </a:p>
@@ -1630,8 +1629,8 @@
           <a:p>
             <a:pPr lvl="0"/>
             <a:r>
-              <a:rPr lang="zh-TW" altLang="en-US" smtClean="0"/>
-              <a:t>按一下以編輯母片文字樣式</a:t>
+              <a:rPr lang="en-US" altLang="zh-TW" smtClean="0"/>
+              <a:t>Click to edit Master text styles</a:t>
             </a:r>
           </a:p>
         </p:txBody>
@@ -1686,36 +1685,36 @@
           <a:p>
             <a:pPr lvl="0"/>
             <a:r>
-              <a:rPr lang="zh-TW" altLang="en-US" smtClean="0"/>
-              <a:t>按一下以編輯母片文字樣式</a:t>
+              <a:rPr lang="en-US" altLang="zh-TW" smtClean="0"/>
+              <a:t>Click to edit Master text styles</a:t>
             </a:r>
           </a:p>
           <a:p>
             <a:pPr lvl="1"/>
             <a:r>
-              <a:rPr lang="zh-TW" altLang="en-US" smtClean="0"/>
-              <a:t>第二層</a:t>
+              <a:rPr lang="en-US" altLang="zh-TW" smtClean="0"/>
+              <a:t>Second level</a:t>
             </a:r>
           </a:p>
           <a:p>
             <a:pPr lvl="2"/>
             <a:r>
-              <a:rPr lang="zh-TW" altLang="en-US" smtClean="0"/>
-              <a:t>第三層</a:t>
+              <a:rPr lang="en-US" altLang="zh-TW" smtClean="0"/>
+              <a:t>Third level</a:t>
             </a:r>
           </a:p>
           <a:p>
             <a:pPr lvl="3"/>
             <a:r>
-              <a:rPr lang="zh-TW" altLang="en-US" smtClean="0"/>
-              <a:t>第四層</a:t>
+              <a:rPr lang="en-US" altLang="zh-TW" smtClean="0"/>
+              <a:t>Fourth level</a:t>
             </a:r>
           </a:p>
           <a:p>
             <a:pPr lvl="4"/>
             <a:r>
-              <a:rPr lang="zh-TW" altLang="en-US" smtClean="0"/>
-              <a:t>第五層</a:t>
+              <a:rPr lang="en-US" altLang="zh-TW" smtClean="0"/>
+              <a:t>Fifth level</a:t>
             </a:r>
             <a:endParaRPr lang="zh-TW" altLang="en-US"/>
           </a:p>
@@ -1738,7 +1737,7 @@
           <a:p>
             <a:fld id="{05D5FD3B-865F-493A-9AC8-BCBFF2C93F97}" type="datetimeFigureOut">
               <a:rPr lang="zh-TW" altLang="en-US" smtClean="0"/>
-              <a:t>2018/11/27</a:t>
+              <a:t>2019/5/25</a:t>
             </a:fld>
             <a:endParaRPr lang="zh-TW" altLang="en-US"/>
           </a:p>
@@ -1827,8 +1826,8 @@
           <a:lstStyle/>
           <a:p>
             <a:r>
-              <a:rPr lang="zh-TW" altLang="en-US" smtClean="0"/>
-              <a:t>按一下以編輯母片標題樣式</a:t>
+              <a:rPr lang="en-US" altLang="zh-TW" smtClean="0"/>
+              <a:t>Click to edit Master title style</a:t>
             </a:r>
             <a:endParaRPr lang="zh-TW" altLang="en-US"/>
           </a:p>
@@ -1851,7 +1850,7 @@
           <a:p>
             <a:fld id="{05D5FD3B-865F-493A-9AC8-BCBFF2C93F97}" type="datetimeFigureOut">
               <a:rPr lang="zh-TW" altLang="en-US" smtClean="0"/>
-              <a:t>2018/11/27</a:t>
+              <a:t>2019/5/25</a:t>
             </a:fld>
             <a:endParaRPr lang="zh-TW" altLang="en-US"/>
           </a:p>
@@ -1941,7 +1940,7 @@
           <a:p>
             <a:fld id="{05D5FD3B-865F-493A-9AC8-BCBFF2C93F97}" type="datetimeFigureOut">
               <a:rPr lang="zh-TW" altLang="en-US" smtClean="0"/>
-              <a:t>2018/11/27</a:t>
+              <a:t>2019/5/25</a:t>
             </a:fld>
             <a:endParaRPr lang="zh-TW" altLang="en-US"/>
           </a:p>
@@ -2039,8 +2038,8 @@
           </a:lstStyle>
           <a:p>
             <a:r>
-              <a:rPr lang="zh-TW" altLang="en-US" smtClean="0"/>
-              <a:t>按一下以編輯母片標題樣式</a:t>
+              <a:rPr lang="en-US" altLang="zh-TW" smtClean="0"/>
+              <a:t>Click to edit Master title style</a:t>
             </a:r>
             <a:endParaRPr lang="zh-TW" altLang="en-US"/>
           </a:p>
@@ -2096,36 +2095,36 @@
           <a:p>
             <a:pPr lvl="0"/>
             <a:r>
-              <a:rPr lang="zh-TW" altLang="en-US" smtClean="0"/>
-              <a:t>按一下以編輯母片文字樣式</a:t>
+              <a:rPr lang="en-US" altLang="zh-TW" smtClean="0"/>
+              <a:t>Click to edit Master text styles</a:t>
             </a:r>
           </a:p>
           <a:p>
             <a:pPr lvl="1"/>
             <a:r>
-              <a:rPr lang="zh-TW" altLang="en-US" smtClean="0"/>
-              <a:t>第二層</a:t>
+              <a:rPr lang="en-US" altLang="zh-TW" smtClean="0"/>
+              <a:t>Second level</a:t>
             </a:r>
           </a:p>
           <a:p>
             <a:pPr lvl="2"/>
             <a:r>
-              <a:rPr lang="zh-TW" altLang="en-US" smtClean="0"/>
-              <a:t>第三層</a:t>
+              <a:rPr lang="en-US" altLang="zh-TW" smtClean="0"/>
+              <a:t>Third level</a:t>
             </a:r>
           </a:p>
           <a:p>
             <a:pPr lvl="3"/>
             <a:r>
-              <a:rPr lang="zh-TW" altLang="en-US" smtClean="0"/>
-              <a:t>第四層</a:t>
+              <a:rPr lang="en-US" altLang="zh-TW" smtClean="0"/>
+              <a:t>Fourth level</a:t>
             </a:r>
           </a:p>
           <a:p>
             <a:pPr lvl="4"/>
             <a:r>
-              <a:rPr lang="zh-TW" altLang="en-US" smtClean="0"/>
-              <a:t>第五層</a:t>
+              <a:rPr lang="en-US" altLang="zh-TW" smtClean="0"/>
+              <a:t>Fifth level</a:t>
             </a:r>
             <a:endParaRPr lang="zh-TW" altLang="en-US"/>
           </a:p>
@@ -2190,8 +2189,8 @@
           <a:p>
             <a:pPr lvl="0"/>
             <a:r>
-              <a:rPr lang="zh-TW" altLang="en-US" smtClean="0"/>
-              <a:t>按一下以編輯母片文字樣式</a:t>
+              <a:rPr lang="en-US" altLang="zh-TW" smtClean="0"/>
+              <a:t>Click to edit Master text styles</a:t>
             </a:r>
           </a:p>
         </p:txBody>
@@ -2213,7 +2212,7 @@
           <a:p>
             <a:fld id="{05D5FD3B-865F-493A-9AC8-BCBFF2C93F97}" type="datetimeFigureOut">
               <a:rPr lang="zh-TW" altLang="en-US" smtClean="0"/>
-              <a:t>2018/11/27</a:t>
+              <a:t>2019/5/25</a:t>
             </a:fld>
             <a:endParaRPr lang="zh-TW" altLang="en-US"/>
           </a:p>
@@ -2311,8 +2310,8 @@
           </a:lstStyle>
           <a:p>
             <a:r>
-              <a:rPr lang="zh-TW" altLang="en-US" smtClean="0"/>
-              <a:t>按一下以編輯母片標題樣式</a:t>
+              <a:rPr lang="en-US" altLang="zh-TW" smtClean="0"/>
+              <a:t>Click to edit Master title style</a:t>
             </a:r>
             <a:endParaRPr lang="zh-TW" altLang="en-US"/>
           </a:p>
@@ -2375,6 +2374,10 @@
             </a:lvl9pPr>
           </a:lstStyle>
           <a:p>
+            <a:r>
+              <a:rPr lang="en-US" altLang="zh-TW" smtClean="0"/>
+              <a:t>Click icon to add picture</a:t>
+            </a:r>
             <a:endParaRPr lang="zh-TW" altLang="en-US"/>
           </a:p>
         </p:txBody>
@@ -2438,8 +2441,8 @@
           <a:p>
             <a:pPr lvl="0"/>
             <a:r>
-              <a:rPr lang="zh-TW" altLang="en-US" smtClean="0"/>
-              <a:t>按一下以編輯母片文字樣式</a:t>
+              <a:rPr lang="en-US" altLang="zh-TW" smtClean="0"/>
+              <a:t>Click to edit Master text styles</a:t>
             </a:r>
           </a:p>
         </p:txBody>
@@ -2461,7 +2464,7 @@
           <a:p>
             <a:fld id="{05D5FD3B-865F-493A-9AC8-BCBFF2C93F97}" type="datetimeFigureOut">
               <a:rPr lang="zh-TW" altLang="en-US" smtClean="0"/>
-              <a:t>2018/11/27</a:t>
+              <a:t>2019/5/25</a:t>
             </a:fld>
             <a:endParaRPr lang="zh-TW" altLang="en-US"/>
           </a:p>
@@ -2521,9 +2524,14 @@
 <p:sldMaster xmlns:a="http://schemas.openxmlformats.org/drawingml/2006/main" xmlns:r="http://schemas.openxmlformats.org/officeDocument/2006/relationships" xmlns:p="http://schemas.openxmlformats.org/presentationml/2006/main">
   <p:cSld>
     <p:bg>
-      <p:bgRef idx="1001">
-        <a:schemeClr val="bg1"/>
-      </p:bgRef>
+      <p:bgPr>
+        <a:blipFill dpi="0" rotWithShape="1">
+          <a:blip r:embed="rId13"/>
+          <a:srcRect/>
+          <a:tile tx="0" ty="0" sx="100000" sy="100000" flip="none" algn="tl"/>
+        </a:blipFill>
+        <a:effectLst/>
+      </p:bgPr>
     </p:bg>
     <p:spTree>
       <p:nvGrpSpPr>
@@ -2669,7 +2677,7 @@
           <a:p>
             <a:fld id="{05D5FD3B-865F-493A-9AC8-BCBFF2C93F97}" type="datetimeFigureOut">
               <a:rPr lang="zh-TW" altLang="en-US" smtClean="0"/>
-              <a:t>2018/11/27</a:t>
+              <a:t>2019/5/25</a:t>
             </a:fld>
             <a:endParaRPr lang="zh-TW" altLang="en-US"/>
           </a:p>
@@ -2757,17 +2765,17 @@
   </p:cSld>
   <p:clrMap bg1="lt1" tx1="dk1" bg2="lt2" tx2="dk2" accent1="accent1" accent2="accent2" accent3="accent3" accent4="accent4" accent5="accent5" accent6="accent6" hlink="hlink" folHlink="folHlink"/>
   <p:sldLayoutIdLst>
-    <p:sldLayoutId id="2147483649" r:id="rId1"/>
-    <p:sldLayoutId id="2147483650" r:id="rId2"/>
-    <p:sldLayoutId id="2147483651" r:id="rId3"/>
-    <p:sldLayoutId id="2147483652" r:id="rId4"/>
-    <p:sldLayoutId id="2147483653" r:id="rId5"/>
-    <p:sldLayoutId id="2147483654" r:id="rId6"/>
-    <p:sldLayoutId id="2147483655" r:id="rId7"/>
-    <p:sldLayoutId id="2147483656" r:id="rId8"/>
-    <p:sldLayoutId id="2147483657" r:id="rId9"/>
-    <p:sldLayoutId id="2147483658" r:id="rId10"/>
-    <p:sldLayoutId id="2147483659" r:id="rId11"/>
+    <p:sldLayoutId id="2147483661" r:id="rId1"/>
+    <p:sldLayoutId id="2147483662" r:id="rId2"/>
+    <p:sldLayoutId id="2147483663" r:id="rId3"/>
+    <p:sldLayoutId id="2147483664" r:id="rId4"/>
+    <p:sldLayoutId id="2147483665" r:id="rId5"/>
+    <p:sldLayoutId id="2147483666" r:id="rId6"/>
+    <p:sldLayoutId id="2147483667" r:id="rId7"/>
+    <p:sldLayoutId id="2147483668" r:id="rId8"/>
+    <p:sldLayoutId id="2147483669" r:id="rId9"/>
+    <p:sldLayoutId id="2147483670" r:id="rId10"/>
+    <p:sldLayoutId id="2147483671" r:id="rId11"/>
   </p:sldLayoutIdLst>
   <p:txStyles>
     <p:titleStyle>
@@ -3054,7 +3062,13 @@
           <a:bodyPr/>
           <a:lstStyle/>
           <a:p>
-            <a:endParaRPr lang="zh-TW" altLang="en-US"/>
+            <a:r>
+              <a:rPr lang="zh-TW" altLang="en-US" b="1" dirty="0">
+                <a:latin typeface="微軟正黑體" pitchFamily="34" charset="-120"/>
+                <a:ea typeface="微軟正黑體" pitchFamily="34" charset="-120"/>
+              </a:rPr>
+              <a:t>我要看見</a:t>
+            </a:r>
           </a:p>
         </p:txBody>
       </p:sp>
@@ -3070,10 +3084,111 @@
         </p:nvSpPr>
         <p:spPr/>
         <p:txBody>
-          <a:bodyPr/>
-          <a:lstStyle/>
-          <a:p>
-            <a:endParaRPr lang="zh-TW" altLang="en-US"/>
+          <a:bodyPr>
+            <a:normAutofit/>
+          </a:bodyPr>
+          <a:lstStyle/>
+          <a:p>
+            <a:pPr algn="ctr">
+              <a:buNone/>
+            </a:pPr>
+            <a:r>
+              <a:rPr lang="zh-TW" altLang="en-US" sz="5400" b="1" dirty="0">
+                <a:latin typeface="微軟正黑體" pitchFamily="34" charset="-120"/>
+                <a:ea typeface="微軟正黑體" pitchFamily="34" charset="-120"/>
+              </a:rPr>
+              <a:t>求你降下同</a:t>
+            </a:r>
+            <a:r>
+              <a:rPr lang="zh-TW" altLang="en-US" sz="5400" b="1" dirty="0" smtClean="0">
+                <a:latin typeface="微軟正黑體" pitchFamily="34" charset="-120"/>
+                <a:ea typeface="微軟正黑體" pitchFamily="34" charset="-120"/>
+              </a:rPr>
+              <a:t>在</a:t>
+            </a:r>
+            <a:endParaRPr lang="en-US" altLang="zh-TW" sz="5400" b="1" dirty="0" smtClean="0">
+              <a:latin typeface="微軟正黑體" pitchFamily="34" charset="-120"/>
+              <a:ea typeface="微軟正黑體" pitchFamily="34" charset="-120"/>
+            </a:endParaRPr>
+          </a:p>
+          <a:p>
+            <a:pPr algn="ctr">
+              <a:buNone/>
+            </a:pPr>
+            <a:r>
+              <a:rPr lang="zh-TW" altLang="en-US" sz="5400" b="1" dirty="0" smtClean="0">
+                <a:latin typeface="微軟正黑體" pitchFamily="34" charset="-120"/>
+                <a:ea typeface="微軟正黑體" pitchFamily="34" charset="-120"/>
+              </a:rPr>
+              <a:t>在</a:t>
+            </a:r>
+            <a:r>
+              <a:rPr lang="zh-TW" altLang="en-US" sz="5400" b="1" dirty="0">
+                <a:latin typeface="微軟正黑體" pitchFamily="34" charset="-120"/>
+                <a:ea typeface="微軟正黑體" pitchFamily="34" charset="-120"/>
+              </a:rPr>
+              <a:t>你子民的敬拜</a:t>
+            </a:r>
+            <a:r>
+              <a:rPr lang="zh-TW" altLang="en-US" sz="5400" b="1" dirty="0" smtClean="0">
+                <a:latin typeface="微軟正黑體" pitchFamily="34" charset="-120"/>
+                <a:ea typeface="微軟正黑體" pitchFamily="34" charset="-120"/>
+              </a:rPr>
+              <a:t>中</a:t>
+            </a:r>
+            <a:endParaRPr lang="en-US" altLang="zh-TW" sz="5400" b="1" dirty="0" smtClean="0">
+              <a:latin typeface="微軟正黑體" pitchFamily="34" charset="-120"/>
+              <a:ea typeface="微軟正黑體" pitchFamily="34" charset="-120"/>
+            </a:endParaRPr>
+          </a:p>
+          <a:p>
+            <a:pPr algn="ctr">
+              <a:buNone/>
+            </a:pPr>
+            <a:r>
+              <a:rPr lang="zh-TW" altLang="en-US" sz="5400" b="1" dirty="0" smtClean="0">
+                <a:latin typeface="微軟正黑體" pitchFamily="34" charset="-120"/>
+                <a:ea typeface="微軟正黑體" pitchFamily="34" charset="-120"/>
+              </a:rPr>
+              <a:t>求</a:t>
+            </a:r>
+            <a:r>
+              <a:rPr lang="zh-TW" altLang="en-US" sz="5400" b="1" dirty="0">
+                <a:latin typeface="微軟正黑體" pitchFamily="34" charset="-120"/>
+                <a:ea typeface="微軟正黑體" pitchFamily="34" charset="-120"/>
+              </a:rPr>
+              <a:t>你顯出</a:t>
+            </a:r>
+            <a:r>
+              <a:rPr lang="zh-TW" altLang="en-US" sz="5400" b="1" dirty="0" smtClean="0">
+                <a:latin typeface="微軟正黑體" pitchFamily="34" charset="-120"/>
+                <a:ea typeface="微軟正黑體" pitchFamily="34" charset="-120"/>
+              </a:rPr>
+              <a:t>榮耀</a:t>
+            </a:r>
+            <a:endParaRPr lang="en-US" altLang="zh-TW" sz="5400" b="1" dirty="0" smtClean="0">
+              <a:latin typeface="微軟正黑體" pitchFamily="34" charset="-120"/>
+              <a:ea typeface="微軟正黑體" pitchFamily="34" charset="-120"/>
+            </a:endParaRPr>
+          </a:p>
+          <a:p>
+            <a:pPr algn="ctr">
+              <a:buNone/>
+            </a:pPr>
+            <a:r>
+              <a:rPr lang="zh-TW" altLang="en-US" sz="5400" b="1" dirty="0" smtClean="0">
+                <a:latin typeface="微軟正黑體" pitchFamily="34" charset="-120"/>
+                <a:ea typeface="微軟正黑體" pitchFamily="34" charset="-120"/>
+              </a:rPr>
+              <a:t>在</a:t>
+            </a:r>
+            <a:r>
+              <a:rPr lang="zh-TW" altLang="en-US" sz="5400" b="1" dirty="0">
+                <a:latin typeface="微軟正黑體" pitchFamily="34" charset="-120"/>
+                <a:ea typeface="微軟正黑體" pitchFamily="34" charset="-120"/>
+              </a:rPr>
+              <a:t>你子民的讚美中</a:t>
+            </a:r>
           </a:p>
         </p:txBody>
       </p:sp>
@@ -3114,7 +3229,9 @@
         </p:nvSpPr>
         <p:spPr/>
         <p:txBody>
-          <a:bodyPr/>
+          <a:bodyPr>
+            <a:normAutofit/>
+          </a:bodyPr>
           <a:lstStyle/>
           <a:p>
             <a:r>
@@ -3152,16 +3269,9 @@
                 <a:latin typeface="微軟正黑體" pitchFamily="34" charset="-120"/>
                 <a:ea typeface="微軟正黑體" pitchFamily="34" charset="-120"/>
               </a:rPr>
-              <a:t>求你降下同</a:t>
-            </a:r>
-            <a:r>
-              <a:rPr lang="zh-TW" altLang="en-US" sz="5400" b="1" dirty="0" smtClean="0">
-                <a:latin typeface="微軟正黑體" pitchFamily="34" charset="-120"/>
-                <a:ea typeface="微軟正黑體" pitchFamily="34" charset="-120"/>
-              </a:rPr>
-              <a:t>在</a:t>
-            </a:r>
-            <a:endParaRPr lang="en-US" altLang="zh-TW" sz="5400" b="1" dirty="0" smtClean="0">
+              <a:t>我要看見  我要看見</a:t>
+            </a:r>
+            <a:endParaRPr lang="en-US" altLang="zh-TW" sz="5400" b="1" dirty="0">
               <a:latin typeface="微軟正黑體" pitchFamily="34" charset="-120"/>
               <a:ea typeface="微軟正黑體" pitchFamily="34" charset="-120"/>
             </a:endParaRPr>
@@ -3170,28 +3280,14 @@
             <a:pPr algn="ctr">
               <a:buNone/>
             </a:pPr>
-            <a:r>
-              <a:rPr lang="zh-TW" altLang="en-US" sz="5400" b="1" dirty="0" smtClean="0">
-                <a:latin typeface="微軟正黑體" pitchFamily="34" charset="-120"/>
-                <a:ea typeface="微軟正黑體" pitchFamily="34" charset="-120"/>
-              </a:rPr>
-              <a:t>在</a:t>
-            </a:r>
             <a:r>
               <a:rPr lang="zh-TW" altLang="en-US" sz="5400" b="1" dirty="0">
                 <a:latin typeface="微軟正黑體" pitchFamily="34" charset="-120"/>
                 <a:ea typeface="微軟正黑體" pitchFamily="34" charset="-120"/>
               </a:rPr>
-              <a:t>你子民的敬拜</a:t>
-            </a:r>
-            <a:r>
-              <a:rPr lang="zh-TW" altLang="en-US" sz="5400" b="1" dirty="0" smtClean="0">
-                <a:latin typeface="微軟正黑體" pitchFamily="34" charset="-120"/>
-                <a:ea typeface="微軟正黑體" pitchFamily="34" charset="-120"/>
-              </a:rPr>
-              <a:t>中</a:t>
-            </a:r>
-            <a:endParaRPr lang="en-US" altLang="zh-TW" sz="5400" b="1" dirty="0" smtClean="0">
+              <a:t>如同摩西看見你的榮耀</a:t>
+            </a:r>
+            <a:endParaRPr lang="en-US" altLang="zh-TW" sz="5400" b="1" dirty="0">
               <a:latin typeface="微軟正黑體" pitchFamily="34" charset="-120"/>
               <a:ea typeface="微軟正黑體" pitchFamily="34" charset="-120"/>
             </a:endParaRPr>
@@ -3200,28 +3296,14 @@
             <a:pPr algn="ctr">
               <a:buNone/>
             </a:pPr>
-            <a:r>
-              <a:rPr lang="zh-TW" altLang="en-US" sz="5400" b="1" dirty="0" smtClean="0">
-                <a:latin typeface="微軟正黑體" pitchFamily="34" charset="-120"/>
-                <a:ea typeface="微軟正黑體" pitchFamily="34" charset="-120"/>
-              </a:rPr>
-              <a:t>求</a:t>
-            </a:r>
             <a:r>
               <a:rPr lang="zh-TW" altLang="en-US" sz="5400" b="1" dirty="0">
                 <a:latin typeface="微軟正黑體" pitchFamily="34" charset="-120"/>
                 <a:ea typeface="微軟正黑體" pitchFamily="34" charset="-120"/>
               </a:rPr>
-              <a:t>你顯出</a:t>
-            </a:r>
-            <a:r>
-              <a:rPr lang="zh-TW" altLang="en-US" sz="5400" b="1" dirty="0" smtClean="0">
-                <a:latin typeface="微軟正黑體" pitchFamily="34" charset="-120"/>
-                <a:ea typeface="微軟正黑體" pitchFamily="34" charset="-120"/>
-              </a:rPr>
-              <a:t>榮耀</a:t>
-            </a:r>
-            <a:endParaRPr lang="en-US" altLang="zh-TW" sz="5400" b="1" dirty="0" smtClean="0">
+              <a:t>我要看見  我要看見</a:t>
+            </a:r>
+            <a:endParaRPr lang="en-US" altLang="zh-TW" sz="5400" b="1" dirty="0">
               <a:latin typeface="微軟正黑體" pitchFamily="34" charset="-120"/>
               <a:ea typeface="微軟正黑體" pitchFamily="34" charset="-120"/>
             </a:endParaRPr>
@@ -3230,19 +3312,12 @@
             <a:pPr algn="ctr">
               <a:buNone/>
             </a:pPr>
-            <a:r>
-              <a:rPr lang="zh-TW" altLang="en-US" sz="5400" b="1" dirty="0" smtClean="0">
-                <a:latin typeface="微軟正黑體" pitchFamily="34" charset="-120"/>
-                <a:ea typeface="微軟正黑體" pitchFamily="34" charset="-120"/>
-              </a:rPr>
-              <a:t>在</a:t>
-            </a:r>
             <a:r>
               <a:rPr lang="zh-TW" altLang="en-US" sz="5400" b="1" dirty="0">
                 <a:latin typeface="微軟正黑體" pitchFamily="34" charset="-120"/>
                 <a:ea typeface="微軟正黑體" pitchFamily="34" charset="-120"/>
               </a:rPr>
-              <a:t>你子民的讚美中</a:t>
+              <a:t>這世代要看見你榮耀</a:t>
             </a:r>
           </a:p>
         </p:txBody>
@@ -3312,7 +3387,7 @@
         <p:spPr/>
         <p:txBody>
           <a:bodyPr>
-            <a:normAutofit/>
+            <a:noAutofit/>
           </a:bodyPr>
           <a:lstStyle/>
           <a:p>
@@ -3324,7 +3399,7 @@
                 <a:latin typeface="微軟正黑體" pitchFamily="34" charset="-120"/>
                 <a:ea typeface="微軟正黑體" pitchFamily="34" charset="-120"/>
               </a:rPr>
-              <a:t>我要看見  我要看見</a:t>
+              <a:t>我們呼求你的名</a:t>
             </a:r>
             <a:endParaRPr lang="en-US" altLang="zh-TW" sz="5400" b="1" dirty="0">
               <a:latin typeface="微軟正黑體" pitchFamily="34" charset="-120"/>
@@ -3340,7 +3415,7 @@
                 <a:latin typeface="微軟正黑體" pitchFamily="34" charset="-120"/>
                 <a:ea typeface="微軟正黑體" pitchFamily="34" charset="-120"/>
               </a:rPr>
-              <a:t>如同摩西看見你的榮耀</a:t>
+              <a:t>求你恩待我們</a:t>
             </a:r>
             <a:endParaRPr lang="en-US" altLang="zh-TW" sz="5400" b="1" dirty="0">
               <a:latin typeface="微軟正黑體" pitchFamily="34" charset="-120"/>
@@ -3356,7 +3431,7 @@
                 <a:latin typeface="微軟正黑體" pitchFamily="34" charset="-120"/>
                 <a:ea typeface="微軟正黑體" pitchFamily="34" charset="-120"/>
               </a:rPr>
-              <a:t>我要看見  我要看見</a:t>
+              <a:t>我們宣告你的名</a:t>
             </a:r>
             <a:endParaRPr lang="en-US" altLang="zh-TW" sz="5400" b="1" dirty="0">
               <a:latin typeface="微軟正黑體" pitchFamily="34" charset="-120"/>
@@ -3372,8 +3447,18 @@
                 <a:latin typeface="微軟正黑體" pitchFamily="34" charset="-120"/>
                 <a:ea typeface="微軟正黑體" pitchFamily="34" charset="-120"/>
               </a:rPr>
-              <a:t>這世代要看見你榮耀</a:t>
-            </a:r>
+              <a:t>求你憐憫我們</a:t>
+            </a:r>
+            <a:endParaRPr lang="en-US" altLang="zh-TW" sz="5400" b="1" dirty="0">
+              <a:latin typeface="微軟正黑體" pitchFamily="34" charset="-120"/>
+              <a:ea typeface="微軟正黑體" pitchFamily="34" charset="-120"/>
+            </a:endParaRPr>
+          </a:p>
+          <a:p>
+            <a:pPr algn="ctr">
+              <a:buNone/>
+            </a:pPr>
+            <a:endParaRPr lang="zh-TW" altLang="en-US" sz="5400" dirty="0"/>
           </a:p>
         </p:txBody>
       </p:sp>
@@ -3442,146 +3527,6 @@
         <p:spPr/>
         <p:txBody>
           <a:bodyPr>
-            <a:noAutofit/>
-          </a:bodyPr>
-          <a:lstStyle/>
-          <a:p>
-            <a:pPr algn="ctr">
-              <a:buNone/>
-            </a:pPr>
-            <a:r>
-              <a:rPr lang="zh-TW" altLang="en-US" sz="5400" b="1" dirty="0">
-                <a:latin typeface="微軟正黑體" pitchFamily="34" charset="-120"/>
-                <a:ea typeface="微軟正黑體" pitchFamily="34" charset="-120"/>
-              </a:rPr>
-              <a:t>我們呼求你的名</a:t>
-            </a:r>
-            <a:endParaRPr lang="en-US" altLang="zh-TW" sz="5400" b="1" dirty="0">
-              <a:latin typeface="微軟正黑體" pitchFamily="34" charset="-120"/>
-              <a:ea typeface="微軟正黑體" pitchFamily="34" charset="-120"/>
-            </a:endParaRPr>
-          </a:p>
-          <a:p>
-            <a:pPr algn="ctr">
-              <a:buNone/>
-            </a:pPr>
-            <a:r>
-              <a:rPr lang="zh-TW" altLang="en-US" sz="5400" b="1" dirty="0">
-                <a:latin typeface="微軟正黑體" pitchFamily="34" charset="-120"/>
-                <a:ea typeface="微軟正黑體" pitchFamily="34" charset="-120"/>
-              </a:rPr>
-              <a:t>求你恩待我們</a:t>
-            </a:r>
-            <a:endParaRPr lang="en-US" altLang="zh-TW" sz="5400" b="1" dirty="0">
-              <a:latin typeface="微軟正黑體" pitchFamily="34" charset="-120"/>
-              <a:ea typeface="微軟正黑體" pitchFamily="34" charset="-120"/>
-            </a:endParaRPr>
-          </a:p>
-          <a:p>
-            <a:pPr algn="ctr">
-              <a:buNone/>
-            </a:pPr>
-            <a:r>
-              <a:rPr lang="zh-TW" altLang="en-US" sz="5400" b="1" dirty="0">
-                <a:latin typeface="微軟正黑體" pitchFamily="34" charset="-120"/>
-                <a:ea typeface="微軟正黑體" pitchFamily="34" charset="-120"/>
-              </a:rPr>
-              <a:t>我們宣告你的名</a:t>
-            </a:r>
-            <a:endParaRPr lang="en-US" altLang="zh-TW" sz="5400" b="1" dirty="0">
-              <a:latin typeface="微軟正黑體" pitchFamily="34" charset="-120"/>
-              <a:ea typeface="微軟正黑體" pitchFamily="34" charset="-120"/>
-            </a:endParaRPr>
-          </a:p>
-          <a:p>
-            <a:pPr algn="ctr">
-              <a:buNone/>
-            </a:pPr>
-            <a:r>
-              <a:rPr lang="zh-TW" altLang="en-US" sz="5400" b="1" dirty="0">
-                <a:latin typeface="微軟正黑體" pitchFamily="34" charset="-120"/>
-                <a:ea typeface="微軟正黑體" pitchFamily="34" charset="-120"/>
-              </a:rPr>
-              <a:t>求你憐憫我們</a:t>
-            </a:r>
-            <a:endParaRPr lang="en-US" altLang="zh-TW" sz="5400" b="1" dirty="0">
-              <a:latin typeface="微軟正黑體" pitchFamily="34" charset="-120"/>
-              <a:ea typeface="微軟正黑體" pitchFamily="34" charset="-120"/>
-            </a:endParaRPr>
-          </a:p>
-          <a:p>
-            <a:pPr algn="ctr">
-              <a:buNone/>
-            </a:pPr>
-            <a:endParaRPr lang="zh-TW" altLang="en-US" sz="5400" dirty="0"/>
-          </a:p>
-        </p:txBody>
-      </p:sp>
-    </p:spTree>
-  </p:cSld>
-  <p:clrMapOvr>
-    <a:masterClrMapping/>
-  </p:clrMapOvr>
-</p:sld>
-</file>
-
-<file path=ppt/slides/slide5.xml><?xml version="1.0" encoding="utf-8"?>
-<p:sld xmlns:a="http://schemas.openxmlformats.org/drawingml/2006/main" xmlns:r="http://schemas.openxmlformats.org/officeDocument/2006/relationships" xmlns:p="http://schemas.openxmlformats.org/presentationml/2006/main">
-  <p:cSld>
-    <p:spTree>
-      <p:nvGrpSpPr>
-        <p:cNvPr id="1" name=""/>
-        <p:cNvGrpSpPr/>
-        <p:nvPr/>
-      </p:nvGrpSpPr>
-      <p:grpSpPr>
-        <a:xfrm>
-          <a:off x="0" y="0"/>
-          <a:ext cx="0" cy="0"/>
-          <a:chOff x="0" y="0"/>
-          <a:chExt cx="0" cy="0"/>
-        </a:xfrm>
-      </p:grpSpPr>
-      <p:sp>
-        <p:nvSpPr>
-          <p:cNvPr id="2" name="標題 1"/>
-          <p:cNvSpPr>
-            <a:spLocks noGrp="1"/>
-          </p:cNvSpPr>
-          <p:nvPr>
-            <p:ph type="title"/>
-          </p:nvPr>
-        </p:nvSpPr>
-        <p:spPr/>
-        <p:txBody>
-          <a:bodyPr>
-            <a:normAutofit/>
-          </a:bodyPr>
-          <a:lstStyle/>
-          <a:p>
-            <a:r>
-              <a:rPr lang="zh-TW" altLang="en-US" b="1" dirty="0">
-                <a:latin typeface="微軟正黑體" pitchFamily="34" charset="-120"/>
-                <a:ea typeface="微軟正黑體" pitchFamily="34" charset="-120"/>
-              </a:rPr>
-              <a:t>我要看見</a:t>
-            </a:r>
-          </a:p>
-        </p:txBody>
-      </p:sp>
-      <p:sp>
-        <p:nvSpPr>
-          <p:cNvPr id="3" name="內容版面配置區 2"/>
-          <p:cNvSpPr>
-            <a:spLocks noGrp="1"/>
-          </p:cNvSpPr>
-          <p:nvPr>
-            <p:ph idx="1"/>
-          </p:nvPr>
-        </p:nvSpPr>
-        <p:spPr/>
-        <p:txBody>
-          <a:bodyPr>
             <a:normAutofit/>
           </a:bodyPr>
           <a:lstStyle/>
@@ -3640,7 +3585,7 @@
 </file>
 
 <file path=ppt/theme/theme1.xml><?xml version="1.0" encoding="utf-8"?>
-<a:theme xmlns:a="http://schemas.openxmlformats.org/drawingml/2006/main" name="Office 佈景主題">
+<a:theme xmlns:a="http://schemas.openxmlformats.org/drawingml/2006/main" name="Church Theme">
   <a:themeElements>
     <a:clrScheme name="Office">
       <a:dk1>
